--- a/愛你到底.pptx
+++ b/愛你到底.pptx
@@ -5,11 +5,15 @@
     <p:sldMasterId id="2147483660" r:id="rId1"/>
   </p:sldMasterIdLst>
   <p:sldIdLst>
-    <p:sldId id="257" r:id="rId2"/>
-    <p:sldId id="258" r:id="rId3"/>
-    <p:sldId id="259" r:id="rId4"/>
+    <p:sldId id="260" r:id="rId2"/>
+    <p:sldId id="261" r:id="rId3"/>
+    <p:sldId id="262" r:id="rId4"/>
+    <p:sldId id="263" r:id="rId5"/>
+    <p:sldId id="264" r:id="rId6"/>
+    <p:sldId id="265" r:id="rId7"/>
+    <p:sldId id="266" r:id="rId8"/>
   </p:sldIdLst>
-  <p:sldSz cx="9144000" cy="6858000" type="screen4x3"/>
+  <p:sldSz cx="12192000" cy="6858000"/>
   <p:notesSz cx="6858000" cy="9144000"/>
   <p:defaultTextStyle>
     <a:defPPr>
@@ -106,6 +110,22 @@
       </a:defRPr>
     </a:lvl9pPr>
   </p:defaultTextStyle>
+  <p:extLst>
+    <p:ext uri="{EFAFB233-063F-42B5-8137-9DF3F51BA10A}">
+      <p15:sldGuideLst xmlns:p15="http://schemas.microsoft.com/office/powerpoint/2012/main">
+        <p15:guide id="1" orient="horz" pos="2160" userDrawn="1">
+          <p15:clr>
+            <a:srgbClr val="A4A3A4"/>
+          </p15:clr>
+        </p15:guide>
+        <p15:guide id="2" pos="3840" userDrawn="1">
+          <p15:clr>
+            <a:srgbClr val="A4A3A4"/>
+          </p15:clr>
+        </p15:guide>
+      </p15:sldGuideLst>
+    </p:ext>
+  </p:extLst>
 </p:presentation>
 </file>
 
@@ -138,8 +158,8 @@
         </p:nvSpPr>
         <p:spPr>
           <a:xfrm>
-            <a:off x="685800" y="2130425"/>
-            <a:ext cx="7772400" cy="1470025"/>
+            <a:off x="914400" y="2130426"/>
+            <a:ext cx="10363200" cy="1470025"/>
           </a:xfrm>
         </p:spPr>
         <p:txBody>
@@ -166,8 +186,8 @@
         </p:nvSpPr>
         <p:spPr>
           <a:xfrm>
-            <a:off x="1371600" y="3886200"/>
-            <a:ext cx="6400800" cy="1752600"/>
+            <a:off x="1828800" y="3886200"/>
+            <a:ext cx="8534400" cy="1752600"/>
           </a:xfrm>
         </p:spPr>
         <p:txBody>
@@ -290,7 +310,7 @@
           <a:p>
             <a:fld id="{15B063F0-611E-4397-9783-E936F54D9428}" type="datetimeFigureOut">
               <a:rPr lang="en-US" smtClean="0"/>
-              <a:t>3/9/2019</a:t>
+              <a:t>7/7/2023</a:t>
             </a:fld>
             <a:endParaRPr lang="en-US"/>
           </a:p>
@@ -455,7 +475,7 @@
           <a:p>
             <a:fld id="{15B063F0-611E-4397-9783-E936F54D9428}" type="datetimeFigureOut">
               <a:rPr lang="en-US" smtClean="0"/>
-              <a:t>3/9/2019</a:t>
+              <a:t>7/7/2023</a:t>
             </a:fld>
             <a:endParaRPr lang="en-US"/>
           </a:p>
@@ -540,8 +560,8 @@
         </p:nvSpPr>
         <p:spPr>
           <a:xfrm>
-            <a:off x="6629400" y="274638"/>
-            <a:ext cx="2057400" cy="5851525"/>
+            <a:off x="8839200" y="274639"/>
+            <a:ext cx="2743200" cy="5851525"/>
           </a:xfrm>
         </p:spPr>
         <p:txBody>
@@ -568,8 +588,8 @@
         </p:nvSpPr>
         <p:spPr>
           <a:xfrm>
-            <a:off x="457200" y="274638"/>
-            <a:ext cx="6019800" cy="5851525"/>
+            <a:off x="609600" y="274639"/>
+            <a:ext cx="8026400" cy="5851525"/>
           </a:xfrm>
         </p:spPr>
         <p:txBody>
@@ -630,7 +650,7 @@
           <a:p>
             <a:fld id="{15B063F0-611E-4397-9783-E936F54D9428}" type="datetimeFigureOut">
               <a:rPr lang="en-US" smtClean="0"/>
-              <a:t>3/9/2019</a:t>
+              <a:t>7/7/2023</a:t>
             </a:fld>
             <a:endParaRPr lang="en-US"/>
           </a:p>
@@ -795,7 +815,7 @@
           <a:p>
             <a:fld id="{15B063F0-611E-4397-9783-E936F54D9428}" type="datetimeFigureOut">
               <a:rPr lang="en-US" smtClean="0"/>
-              <a:t>3/9/2019</a:t>
+              <a:t>7/7/2023</a:t>
             </a:fld>
             <a:endParaRPr lang="en-US"/>
           </a:p>
@@ -880,8 +900,8 @@
         </p:nvSpPr>
         <p:spPr>
           <a:xfrm>
-            <a:off x="722313" y="4406900"/>
-            <a:ext cx="7772400" cy="1362075"/>
+            <a:off x="963084" y="4406901"/>
+            <a:ext cx="10363200" cy="1362075"/>
           </a:xfrm>
         </p:spPr>
         <p:txBody>
@@ -912,8 +932,8 @@
         </p:nvSpPr>
         <p:spPr>
           <a:xfrm>
-            <a:off x="722313" y="2906713"/>
-            <a:ext cx="7772400" cy="1500187"/>
+            <a:off x="963084" y="2906713"/>
+            <a:ext cx="10363200" cy="1500187"/>
           </a:xfrm>
         </p:spPr>
         <p:txBody>
@@ -1036,7 +1056,7 @@
           <a:p>
             <a:fld id="{15B063F0-611E-4397-9783-E936F54D9428}" type="datetimeFigureOut">
               <a:rPr lang="en-US" smtClean="0"/>
-              <a:t>3/9/2019</a:t>
+              <a:t>7/7/2023</a:t>
             </a:fld>
             <a:endParaRPr lang="en-US"/>
           </a:p>
@@ -1144,8 +1164,8 @@
         </p:nvSpPr>
         <p:spPr>
           <a:xfrm>
-            <a:off x="457200" y="1600200"/>
-            <a:ext cx="4038600" cy="4525963"/>
+            <a:off x="609600" y="1600201"/>
+            <a:ext cx="5384800" cy="4525963"/>
           </a:xfrm>
         </p:spPr>
         <p:txBody>
@@ -1229,8 +1249,8 @@
         </p:nvSpPr>
         <p:spPr>
           <a:xfrm>
-            <a:off x="4648200" y="1600200"/>
-            <a:ext cx="4038600" cy="4525963"/>
+            <a:off x="6197600" y="1600201"/>
+            <a:ext cx="5384800" cy="4525963"/>
           </a:xfrm>
         </p:spPr>
         <p:txBody>
@@ -1319,7 +1339,7 @@
           <a:p>
             <a:fld id="{15B063F0-611E-4397-9783-E936F54D9428}" type="datetimeFigureOut">
               <a:rPr lang="en-US" smtClean="0"/>
-              <a:t>3/9/2019</a:t>
+              <a:t>7/7/2023</a:t>
             </a:fld>
             <a:endParaRPr lang="en-US"/>
           </a:p>
@@ -1431,8 +1451,8 @@
         </p:nvSpPr>
         <p:spPr>
           <a:xfrm>
-            <a:off x="457200" y="1535113"/>
-            <a:ext cx="4040188" cy="639762"/>
+            <a:off x="609600" y="1535113"/>
+            <a:ext cx="5386917" cy="639762"/>
           </a:xfrm>
         </p:spPr>
         <p:txBody>
@@ -1496,8 +1516,8 @@
         </p:nvSpPr>
         <p:spPr>
           <a:xfrm>
-            <a:off x="457200" y="2174875"/>
-            <a:ext cx="4040188" cy="3951288"/>
+            <a:off x="609600" y="2174875"/>
+            <a:ext cx="5386917" cy="3951288"/>
           </a:xfrm>
         </p:spPr>
         <p:txBody>
@@ -1581,8 +1601,8 @@
         </p:nvSpPr>
         <p:spPr>
           <a:xfrm>
-            <a:off x="4645025" y="1535113"/>
-            <a:ext cx="4041775" cy="639762"/>
+            <a:off x="6193368" y="1535113"/>
+            <a:ext cx="5389033" cy="639762"/>
           </a:xfrm>
         </p:spPr>
         <p:txBody>
@@ -1646,8 +1666,8 @@
         </p:nvSpPr>
         <p:spPr>
           <a:xfrm>
-            <a:off x="4645025" y="2174875"/>
-            <a:ext cx="4041775" cy="3951288"/>
+            <a:off x="6193368" y="2174875"/>
+            <a:ext cx="5389033" cy="3951288"/>
           </a:xfrm>
         </p:spPr>
         <p:txBody>
@@ -1736,7 +1756,7 @@
           <a:p>
             <a:fld id="{15B063F0-611E-4397-9783-E936F54D9428}" type="datetimeFigureOut">
               <a:rPr lang="en-US" smtClean="0"/>
-              <a:t>3/9/2019</a:t>
+              <a:t>7/7/2023</a:t>
             </a:fld>
             <a:endParaRPr lang="en-US"/>
           </a:p>
@@ -1849,7 +1869,7 @@
           <a:p>
             <a:fld id="{15B063F0-611E-4397-9783-E936F54D9428}" type="datetimeFigureOut">
               <a:rPr lang="en-US" smtClean="0"/>
-              <a:t>3/9/2019</a:t>
+              <a:t>7/7/2023</a:t>
             </a:fld>
             <a:endParaRPr lang="en-US"/>
           </a:p>
@@ -1939,7 +1959,7 @@
           <a:p>
             <a:fld id="{15B063F0-611E-4397-9783-E936F54D9428}" type="datetimeFigureOut">
               <a:rPr lang="en-US" smtClean="0"/>
-              <a:t>3/9/2019</a:t>
+              <a:t>7/7/2023</a:t>
             </a:fld>
             <a:endParaRPr lang="en-US"/>
           </a:p>
@@ -2024,8 +2044,8 @@
         </p:nvSpPr>
         <p:spPr>
           <a:xfrm>
-            <a:off x="457200" y="273050"/>
-            <a:ext cx="3008313" cy="1162050"/>
+            <a:off x="609601" y="273050"/>
+            <a:ext cx="4011084" cy="1162050"/>
           </a:xfrm>
         </p:spPr>
         <p:txBody>
@@ -2056,8 +2076,8 @@
         </p:nvSpPr>
         <p:spPr>
           <a:xfrm>
-            <a:off x="3575050" y="273050"/>
-            <a:ext cx="5111750" cy="5853113"/>
+            <a:off x="4766733" y="273051"/>
+            <a:ext cx="6815667" cy="5853113"/>
           </a:xfrm>
         </p:spPr>
         <p:txBody>
@@ -2141,8 +2161,8 @@
         </p:nvSpPr>
         <p:spPr>
           <a:xfrm>
-            <a:off x="457200" y="1435100"/>
-            <a:ext cx="3008313" cy="4691063"/>
+            <a:off x="609601" y="1435101"/>
+            <a:ext cx="4011084" cy="4691063"/>
           </a:xfrm>
         </p:spPr>
         <p:txBody>
@@ -2211,7 +2231,7 @@
           <a:p>
             <a:fld id="{15B063F0-611E-4397-9783-E936F54D9428}" type="datetimeFigureOut">
               <a:rPr lang="en-US" smtClean="0"/>
-              <a:t>3/9/2019</a:t>
+              <a:t>7/7/2023</a:t>
             </a:fld>
             <a:endParaRPr lang="en-US"/>
           </a:p>
@@ -2296,8 +2316,8 @@
         </p:nvSpPr>
         <p:spPr>
           <a:xfrm>
-            <a:off x="1792288" y="4800600"/>
-            <a:ext cx="5486400" cy="566738"/>
+            <a:off x="2389717" y="4800600"/>
+            <a:ext cx="7315200" cy="566738"/>
           </a:xfrm>
         </p:spPr>
         <p:txBody>
@@ -2328,8 +2348,8 @@
         </p:nvSpPr>
         <p:spPr>
           <a:xfrm>
-            <a:off x="1792288" y="612775"/>
-            <a:ext cx="5486400" cy="4114800"/>
+            <a:off x="2389717" y="612775"/>
+            <a:ext cx="7315200" cy="4114800"/>
           </a:xfrm>
         </p:spPr>
         <p:txBody>
@@ -2393,8 +2413,8 @@
         </p:nvSpPr>
         <p:spPr>
           <a:xfrm>
-            <a:off x="1792288" y="5367338"/>
-            <a:ext cx="5486400" cy="804862"/>
+            <a:off x="2389717" y="5367338"/>
+            <a:ext cx="7315200" cy="804862"/>
           </a:xfrm>
         </p:spPr>
         <p:txBody>
@@ -2463,7 +2483,7 @@
           <a:p>
             <a:fld id="{15B063F0-611E-4397-9783-E936F54D9428}" type="datetimeFigureOut">
               <a:rPr lang="en-US" smtClean="0"/>
-              <a:t>3/9/2019</a:t>
+              <a:t>7/7/2023</a:t>
             </a:fld>
             <a:endParaRPr lang="en-US"/>
           </a:p>
@@ -2558,8 +2578,8 @@
         </p:nvSpPr>
         <p:spPr>
           <a:xfrm>
-            <a:off x="457200" y="274638"/>
-            <a:ext cx="8229600" cy="1143000"/>
+            <a:off x="609600" y="274638"/>
+            <a:ext cx="10972800" cy="1143000"/>
           </a:xfrm>
           <a:prstGeom prst="rect">
             <a:avLst/>
@@ -2591,8 +2611,8 @@
         </p:nvSpPr>
         <p:spPr>
           <a:xfrm>
-            <a:off x="457200" y="1600200"/>
-            <a:ext cx="8229600" cy="4525963"/>
+            <a:off x="609600" y="1600201"/>
+            <a:ext cx="10972800" cy="4525963"/>
           </a:xfrm>
           <a:prstGeom prst="rect">
             <a:avLst/>
@@ -2653,8 +2673,8 @@
         </p:nvSpPr>
         <p:spPr>
           <a:xfrm>
-            <a:off x="457200" y="6356350"/>
-            <a:ext cx="2133600" cy="365125"/>
+            <a:off x="609600" y="6356351"/>
+            <a:ext cx="2844800" cy="365125"/>
           </a:xfrm>
           <a:prstGeom prst="rect">
             <a:avLst/>
@@ -2676,7 +2696,7 @@
           <a:p>
             <a:fld id="{15B063F0-611E-4397-9783-E936F54D9428}" type="datetimeFigureOut">
               <a:rPr lang="en-US" smtClean="0"/>
-              <a:t>3/9/2019</a:t>
+              <a:t>7/7/2023</a:t>
             </a:fld>
             <a:endParaRPr lang="en-US"/>
           </a:p>
@@ -2694,8 +2714,8 @@
         </p:nvSpPr>
         <p:spPr>
           <a:xfrm>
-            <a:off x="3124200" y="6356350"/>
-            <a:ext cx="2895600" cy="365125"/>
+            <a:off x="4165600" y="6356351"/>
+            <a:ext cx="3860800" cy="365125"/>
           </a:xfrm>
           <a:prstGeom prst="rect">
             <a:avLst/>
@@ -2731,8 +2751,8 @@
         </p:nvSpPr>
         <p:spPr>
           <a:xfrm>
-            <a:off x="6553200" y="6356350"/>
-            <a:ext cx="2133600" cy="365125"/>
+            <a:off x="8737600" y="6356351"/>
+            <a:ext cx="2844800" cy="365125"/>
           </a:xfrm>
           <a:prstGeom prst="rect">
             <a:avLst/>
@@ -3048,47 +3068,18 @@
       </p:grpSpPr>
       <p:sp>
         <p:nvSpPr>
-          <p:cNvPr id="2" name="Title 1"/>
+          <p:cNvPr id="4" name="標題 3"/>
           <p:cNvSpPr>
             <a:spLocks noGrp="1"/>
           </p:cNvSpPr>
           <p:nvPr>
             <p:ph type="title"/>
-          </p:nvPr>
-        </p:nvSpPr>
-        <p:spPr/>
-        <p:txBody>
-          <a:bodyPr/>
-          <a:lstStyle/>
-          <a:p>
-            <a:r>
-              <a:rPr lang="zh-CN" altLang="en-US" b="1" dirty="0">
-                <a:latin typeface="Microsoft JhengHei" pitchFamily="34" charset="-120"/>
-                <a:ea typeface="Microsoft JhengHei" pitchFamily="34" charset="-120"/>
-              </a:rPr>
-              <a:t>愛你到底</a:t>
-            </a:r>
-            <a:endParaRPr lang="en-US" b="1" dirty="0">
-              <a:latin typeface="Microsoft JhengHei" pitchFamily="34" charset="-120"/>
-              <a:ea typeface="Microsoft JhengHei" pitchFamily="34" charset="-120"/>
-            </a:endParaRPr>
-          </a:p>
-        </p:txBody>
-      </p:sp>
-      <p:sp>
-        <p:nvSpPr>
-          <p:cNvPr id="3" name="Content Placeholder 2"/>
-          <p:cNvSpPr>
-            <a:spLocks noGrp="1"/>
-          </p:cNvSpPr>
-          <p:nvPr>
-            <p:ph idx="1"/>
           </p:nvPr>
         </p:nvSpPr>
         <p:spPr>
           <a:xfrm>
-            <a:off x="0" y="1600200"/>
-            <a:ext cx="9144000" cy="4525963"/>
+            <a:off x="0" y="2660915"/>
+            <a:ext cx="12192000" cy="1143000"/>
           </a:xfrm>
         </p:spPr>
         <p:txBody>
@@ -3097,88 +3088,87 @@
           </a:bodyPr>
           <a:lstStyle/>
           <a:p>
-            <a:pPr marL="0" indent="0" algn="ctr">
-              <a:buNone/>
-            </a:pPr>
-            <a:r>
-              <a:rPr lang="zh-TW" altLang="en-US" sz="5400" b="1" dirty="0">
-                <a:latin typeface="Microsoft JhengHei" pitchFamily="34" charset="-120"/>
-                <a:ea typeface="Microsoft JhengHei" pitchFamily="34" charset="-120"/>
+            <a:r>
+              <a:rPr lang="zh-CN" altLang="en-US" sz="7200" b="1" i="1" dirty="0">
+                <a:solidFill>
+                  <a:srgbClr val="660033"/>
+                </a:solidFill>
+                <a:effectLst>
+                  <a:outerShdw blurRad="38100" dist="38100" dir="2700000" algn="tl">
+                    <a:srgbClr val="000000">
+                      <a:alpha val="43137"/>
+                    </a:srgbClr>
+                  </a:outerShdw>
+                </a:effectLst>
+                <a:latin typeface="微軟正黑體" pitchFamily="34" charset="-120"/>
+                <a:ea typeface="微軟正黑體" pitchFamily="34" charset="-120"/>
               </a:rPr>
-              <a:t>來到主前 卸下一切憂慮重擔 </a:t>
-            </a:r>
-            <a:endParaRPr lang="en-US" altLang="zh-TW" sz="5400" b="1" dirty="0" smtClean="0">
-              <a:latin typeface="Microsoft JhengHei" pitchFamily="34" charset="-120"/>
-              <a:ea typeface="Microsoft JhengHei" pitchFamily="34" charset="-120"/>
-            </a:endParaRPr>
-          </a:p>
-          <a:p>
-            <a:pPr marL="0" indent="0" algn="ctr">
-              <a:buNone/>
-            </a:pPr>
-            <a:r>
-              <a:rPr lang="zh-TW" altLang="en-US" sz="5400" b="1" dirty="0" smtClean="0">
-                <a:latin typeface="Microsoft JhengHei" pitchFamily="34" charset="-120"/>
-                <a:ea typeface="Microsoft JhengHei" pitchFamily="34" charset="-120"/>
-              </a:rPr>
-              <a:t>耶</a:t>
-            </a:r>
-            <a:r>
-              <a:rPr lang="zh-TW" altLang="en-US" sz="5400" b="1" dirty="0">
-                <a:latin typeface="Microsoft JhengHei" pitchFamily="34" charset="-120"/>
-                <a:ea typeface="Microsoft JhengHei" pitchFamily="34" charset="-120"/>
-              </a:rPr>
-              <a:t>穌我來敬拜</a:t>
-            </a:r>
-            <a:r>
-              <a:rPr lang="zh-TW" altLang="en-US" sz="5400" b="1" dirty="0" smtClean="0">
-                <a:latin typeface="Microsoft JhengHei" pitchFamily="34" charset="-120"/>
-                <a:ea typeface="Microsoft JhengHei" pitchFamily="34" charset="-120"/>
+              <a:t>愛</a:t>
+            </a:r>
+            <a:r>
+              <a:rPr lang="zh-TW" altLang="en-US" sz="7200" b="1" i="1" dirty="0">
+                <a:solidFill>
+                  <a:srgbClr val="660033"/>
+                </a:solidFill>
+                <a:effectLst>
+                  <a:outerShdw blurRad="38100" dist="38100" dir="2700000" algn="tl">
+                    <a:srgbClr val="000000">
+                      <a:alpha val="43137"/>
+                    </a:srgbClr>
+                  </a:outerShdw>
+                </a:effectLst>
+                <a:latin typeface="微軟正黑體" pitchFamily="34" charset="-120"/>
+                <a:ea typeface="微軟正黑體" pitchFamily="34" charset="-120"/>
               </a:rPr>
               <a:t>祢</a:t>
             </a:r>
-            <a:endParaRPr lang="en-US" altLang="zh-TW" sz="5400" b="1" dirty="0" smtClean="0">
-              <a:latin typeface="Microsoft JhengHei" pitchFamily="34" charset="-120"/>
-              <a:ea typeface="Microsoft JhengHei" pitchFamily="34" charset="-120"/>
-            </a:endParaRPr>
-          </a:p>
-          <a:p>
-            <a:pPr marL="0" indent="0" algn="ctr">
-              <a:buNone/>
-            </a:pPr>
-            <a:r>
-              <a:rPr lang="zh-TW" altLang="en-US" sz="5400" b="1" dirty="0">
-                <a:latin typeface="Microsoft JhengHei" pitchFamily="34" charset="-120"/>
-                <a:ea typeface="Microsoft JhengHei" pitchFamily="34" charset="-120"/>
+            <a:r>
+              <a:rPr lang="zh-CN" altLang="en-US" sz="7200" b="1" i="1" dirty="0">
+                <a:solidFill>
+                  <a:srgbClr val="660033"/>
+                </a:solidFill>
+                <a:effectLst>
+                  <a:outerShdw blurRad="38100" dist="38100" dir="2700000" algn="tl">
+                    <a:srgbClr val="000000">
+                      <a:alpha val="43137"/>
+                    </a:srgbClr>
+                  </a:outerShdw>
+                </a:effectLst>
+                <a:latin typeface="微軟正黑體" pitchFamily="34" charset="-120"/>
+                <a:ea typeface="微軟正黑體" pitchFamily="34" charset="-120"/>
               </a:rPr>
-              <a:t>疲憊的心 在祢裡面重新得力 </a:t>
-            </a:r>
-            <a:endParaRPr lang="en-US" altLang="zh-TW" sz="5400" b="1" dirty="0" smtClean="0">
-              <a:latin typeface="Microsoft JhengHei" pitchFamily="34" charset="-120"/>
-              <a:ea typeface="Microsoft JhengHei" pitchFamily="34" charset="-120"/>
-            </a:endParaRPr>
-          </a:p>
-          <a:p>
-            <a:pPr marL="0" indent="0" algn="ctr">
-              <a:buNone/>
-            </a:pPr>
-            <a:r>
-              <a:rPr lang="zh-TW" altLang="en-US" sz="5400" b="1" dirty="0" smtClean="0">
-                <a:latin typeface="Microsoft JhengHei" pitchFamily="34" charset="-120"/>
-                <a:ea typeface="Microsoft JhengHei" pitchFamily="34" charset="-120"/>
+              <a:t>到</a:t>
+            </a:r>
+            <a:r>
+              <a:rPr lang="zh-CN" altLang="en-US" sz="7200" b="1" i="1" dirty="0">
+                <a:solidFill>
+                  <a:srgbClr val="660033"/>
+                </a:solidFill>
+                <a:effectLst>
+                  <a:outerShdw blurRad="38100" dist="38100" dir="2700000" algn="tl">
+                    <a:srgbClr val="000000">
+                      <a:alpha val="43137"/>
+                    </a:srgbClr>
+                  </a:outerShdw>
+                </a:effectLst>
+                <a:latin typeface="微軟正黑體" pitchFamily="34" charset="-120"/>
+                <a:ea typeface="微軟正黑體" pitchFamily="34" charset="-120"/>
               </a:rPr>
-              <a:t>耶</a:t>
-            </a:r>
-            <a:r>
-              <a:rPr lang="zh-TW" altLang="en-US" sz="5400" b="1" dirty="0">
-                <a:latin typeface="Microsoft JhengHei" pitchFamily="34" charset="-120"/>
-                <a:ea typeface="Microsoft JhengHei" pitchFamily="34" charset="-120"/>
-              </a:rPr>
-              <a:t>穌我來敬拜祢</a:t>
-            </a:r>
-            <a:endParaRPr lang="en-US" sz="5400" b="1" dirty="0">
-              <a:latin typeface="Microsoft JhengHei" pitchFamily="34" charset="-120"/>
-              <a:ea typeface="Microsoft JhengHei" pitchFamily="34" charset="-120"/>
+              <a:t>底</a:t>
+            </a:r>
+            <a:endParaRPr lang="zh-TW" altLang="en-US" sz="7200" b="1" i="1" dirty="0">
+              <a:solidFill>
+                <a:srgbClr val="660033"/>
+              </a:solidFill>
+              <a:effectLst>
+                <a:outerShdw blurRad="38100" dist="38100" dir="2700000" algn="tl">
+                  <a:srgbClr val="000000">
+                    <a:alpha val="43137"/>
+                  </a:srgbClr>
+                </a:outerShdw>
+              </a:effectLst>
+              <a:latin typeface="微軟正黑體" pitchFamily="34" charset="-120"/>
+              <a:ea typeface="微軟正黑體" pitchFamily="34" charset="-120"/>
             </a:endParaRPr>
           </a:p>
         </p:txBody>
@@ -3186,7 +3176,7 @@
     </p:spTree>
     <p:extLst>
       <p:ext uri="{BB962C8B-B14F-4D97-AF65-F5344CB8AC3E}">
-        <p14:creationId xmlns:p14="http://schemas.microsoft.com/office/powerpoint/2010/main" val="766084229"/>
+        <p14:creationId xmlns:p14="http://schemas.microsoft.com/office/powerpoint/2010/main" val="1785933203"/>
       </p:ext>
     </p:extLst>
   </p:cSld>
@@ -3215,36 +3205,7 @@
       </p:grpSpPr>
       <p:sp>
         <p:nvSpPr>
-          <p:cNvPr id="2" name="Title 1"/>
-          <p:cNvSpPr>
-            <a:spLocks noGrp="1"/>
-          </p:cNvSpPr>
-          <p:nvPr>
-            <p:ph type="title"/>
-          </p:nvPr>
-        </p:nvSpPr>
-        <p:spPr/>
-        <p:txBody>
-          <a:bodyPr/>
-          <a:lstStyle/>
-          <a:p>
-            <a:r>
-              <a:rPr lang="zh-CN" altLang="en-US" b="1" dirty="0">
-                <a:latin typeface="Microsoft JhengHei" pitchFamily="34" charset="-120"/>
-                <a:ea typeface="Microsoft JhengHei" pitchFamily="34" charset="-120"/>
-              </a:rPr>
-              <a:t>愛你到底</a:t>
-            </a:r>
-            <a:endParaRPr lang="en-US" b="1" dirty="0">
-              <a:latin typeface="Microsoft JhengHei" pitchFamily="34" charset="-120"/>
-              <a:ea typeface="Microsoft JhengHei" pitchFamily="34" charset="-120"/>
-            </a:endParaRPr>
-          </a:p>
-        </p:txBody>
-      </p:sp>
-      <p:sp>
-        <p:nvSpPr>
-          <p:cNvPr id="3" name="Content Placeholder 2"/>
+          <p:cNvPr id="5" name="內容版面配置區 4"/>
           <p:cNvSpPr>
             <a:spLocks noGrp="1"/>
           </p:cNvSpPr>
@@ -3254,13 +3215,13 @@
         </p:nvSpPr>
         <p:spPr>
           <a:xfrm>
-            <a:off x="0" y="1600200"/>
-            <a:ext cx="9144000" cy="4525963"/>
+            <a:off x="0" y="2084851"/>
+            <a:ext cx="12192000" cy="2404863"/>
           </a:xfrm>
         </p:spPr>
         <p:txBody>
-          <a:bodyPr>
-            <a:noAutofit/>
+          <a:bodyPr anchor="ctr">
+            <a:normAutofit/>
           </a:bodyPr>
           <a:lstStyle/>
           <a:p>
@@ -3268,29 +3229,51 @@
               <a:buNone/>
             </a:pPr>
             <a:r>
-              <a:rPr lang="zh-TW" altLang="en-US" sz="5400" b="1" dirty="0">
-                <a:latin typeface="Microsoft JhengHei" pitchFamily="34" charset="-120"/>
-                <a:ea typeface="Microsoft JhengHei" pitchFamily="34" charset="-120"/>
+              <a:rPr lang="zh-TW" altLang="en-US" sz="6400" b="1" dirty="0">
+                <a:solidFill>
+                  <a:srgbClr val="660033"/>
+                </a:solidFill>
+                <a:latin typeface="微軟正黑體" pitchFamily="34" charset="-120"/>
+                <a:ea typeface="微軟正黑體" pitchFamily="34" charset="-120"/>
               </a:rPr>
-              <a:t>全心相</a:t>
-            </a:r>
-            <a:r>
-              <a:rPr lang="zh-TW" altLang="en-US" sz="5400" b="1" dirty="0" smtClean="0">
-                <a:latin typeface="Microsoft JhengHei" pitchFamily="34" charset="-120"/>
-                <a:ea typeface="Microsoft JhengHei" pitchFamily="34" charset="-120"/>
+              <a:t>來</a:t>
+            </a:r>
+            <a:r>
+              <a:rPr lang="zh-TW" altLang="en-US" sz="6400" b="1" dirty="0">
+                <a:solidFill>
+                  <a:srgbClr val="660033"/>
+                </a:solidFill>
+                <a:latin typeface="微軟正黑體" pitchFamily="34" charset="-120"/>
+                <a:ea typeface="微軟正黑體" pitchFamily="34" charset="-120"/>
               </a:rPr>
-              <a:t>信  祢</a:t>
-            </a:r>
-            <a:r>
-              <a:rPr lang="zh-TW" altLang="en-US" sz="5400" b="1" dirty="0">
-                <a:latin typeface="Microsoft JhengHei" pitchFamily="34" charset="-120"/>
-                <a:ea typeface="Microsoft JhengHei" pitchFamily="34" charset="-120"/>
+              <a:t>到主前 </a:t>
+            </a:r>
+            <a:r>
+              <a:rPr lang="zh-TW" altLang="en-US" sz="6400" b="1" dirty="0">
+                <a:solidFill>
+                  <a:srgbClr val="660033"/>
+                </a:solidFill>
+                <a:latin typeface="微軟正黑體" pitchFamily="34" charset="-120"/>
+                <a:ea typeface="微軟正黑體" pitchFamily="34" charset="-120"/>
               </a:rPr>
-              <a:t>的恩典和應許</a:t>
-            </a:r>
-            <a:endParaRPr lang="en-US" altLang="zh-TW" sz="5400" b="1" dirty="0">
-              <a:latin typeface="Microsoft JhengHei" pitchFamily="34" charset="-120"/>
-              <a:ea typeface="Microsoft JhengHei" pitchFamily="34" charset="-120"/>
+              <a:t> 卸</a:t>
+            </a:r>
+            <a:r>
+              <a:rPr lang="zh-TW" altLang="en-US" sz="6400" b="1" dirty="0">
+                <a:solidFill>
+                  <a:srgbClr val="660033"/>
+                </a:solidFill>
+                <a:latin typeface="微軟正黑體" pitchFamily="34" charset="-120"/>
+                <a:ea typeface="微軟正黑體" pitchFamily="34" charset="-120"/>
+              </a:rPr>
+              <a:t>下一切憂慮重擔 </a:t>
+            </a:r>
+            <a:endParaRPr lang="en-US" altLang="zh-TW" sz="6400" b="1" dirty="0">
+              <a:solidFill>
+                <a:srgbClr val="660033"/>
+              </a:solidFill>
+              <a:latin typeface="微軟正黑體" pitchFamily="34" charset="-120"/>
+              <a:ea typeface="微軟正黑體" pitchFamily="34" charset="-120"/>
             </a:endParaRPr>
           </a:p>
           <a:p>
@@ -3298,98 +3281,83 @@
               <a:buNone/>
             </a:pPr>
             <a:r>
-              <a:rPr lang="zh-TW" altLang="en-US" sz="5400" b="1" dirty="0">
-                <a:latin typeface="Microsoft JhengHei" pitchFamily="34" charset="-120"/>
-                <a:ea typeface="Microsoft JhengHei" pitchFamily="34" charset="-120"/>
+              <a:rPr lang="zh-TW" altLang="en-US" sz="6400" b="1" dirty="0">
+                <a:solidFill>
+                  <a:srgbClr val="660033"/>
+                </a:solidFill>
+                <a:latin typeface="微軟正黑體" pitchFamily="34" charset="-120"/>
+                <a:ea typeface="微軟正黑體" pitchFamily="34" charset="-120"/>
               </a:rPr>
-              <a:t>水火之</a:t>
-            </a:r>
-            <a:r>
-              <a:rPr lang="zh-TW" altLang="en-US" sz="5400" b="1" dirty="0" smtClean="0">
-                <a:latin typeface="Microsoft JhengHei" pitchFamily="34" charset="-120"/>
-                <a:ea typeface="Microsoft JhengHei" pitchFamily="34" charset="-120"/>
+              <a:t>耶穌我來敬拜祢</a:t>
+            </a:r>
+            <a:endParaRPr lang="en-US" altLang="zh-TW" sz="6400" b="1" dirty="0">
+              <a:solidFill>
+                <a:srgbClr val="660033"/>
+              </a:solidFill>
+              <a:latin typeface="微軟正黑體" pitchFamily="34" charset="-120"/>
+              <a:ea typeface="微軟正黑體" pitchFamily="34" charset="-120"/>
+            </a:endParaRPr>
+          </a:p>
+        </p:txBody>
+      </p:sp>
+      <p:sp>
+        <p:nvSpPr>
+          <p:cNvPr id="3" name="TextBox 2"/>
+          <p:cNvSpPr txBox="1"/>
+          <p:nvPr/>
+        </p:nvSpPr>
+        <p:spPr>
+          <a:xfrm>
+            <a:off x="0" y="5157193"/>
+            <a:ext cx="12192000" cy="584775"/>
+          </a:xfrm>
+          <a:prstGeom prst="rect">
+            <a:avLst/>
+          </a:prstGeom>
+          <a:noFill/>
+        </p:spPr>
+        <p:txBody>
+          <a:bodyPr wrap="square" rtlCol="0">
+            <a:spAutoFit/>
+          </a:bodyPr>
+          <a:lstStyle/>
+          <a:p>
+            <a:pPr algn="ctr"/>
+            <a:r>
+              <a:rPr lang="en-US" sz="3200" b="1" dirty="0">
+                <a:solidFill>
+                  <a:srgbClr val="660033"/>
+                </a:solidFill>
+                <a:latin typeface="Microsoft JhengHei" panose="020B0604030504040204" pitchFamily="34" charset="-120"/>
+                <a:ea typeface="Microsoft JhengHei" panose="020B0604030504040204" pitchFamily="34" charset="-120"/>
               </a:rPr>
-              <a:t>中  不</a:t>
-            </a:r>
-            <a:r>
-              <a:rPr lang="zh-TW" altLang="en-US" sz="5400" b="1" dirty="0">
-                <a:latin typeface="Microsoft JhengHei" pitchFamily="34" charset="-120"/>
-                <a:ea typeface="Microsoft JhengHei" pitchFamily="34" charset="-120"/>
+              <a:t>( </a:t>
+            </a:r>
+            <a:r>
+              <a:rPr lang="zh-CN" altLang="en-US" sz="3200" b="1" dirty="0">
+                <a:solidFill>
+                  <a:srgbClr val="660033"/>
+                </a:solidFill>
+                <a:latin typeface="Microsoft JhengHei" panose="020B0604030504040204" pitchFamily="34" charset="-120"/>
+                <a:ea typeface="Microsoft JhengHei" panose="020B0604030504040204" pitchFamily="34" charset="-120"/>
               </a:rPr>
-              <a:t>離不棄 </a:t>
-            </a:r>
-            <a:endParaRPr lang="en-US" altLang="zh-TW" sz="5400" b="1" dirty="0" smtClean="0">
-              <a:latin typeface="Microsoft JhengHei" pitchFamily="34" charset="-120"/>
-              <a:ea typeface="Microsoft JhengHei" pitchFamily="34" charset="-120"/>
-            </a:endParaRPr>
-          </a:p>
-          <a:p>
-            <a:pPr marL="0" indent="0" algn="ctr">
-              <a:buNone/>
-            </a:pPr>
-            <a:r>
-              <a:rPr lang="zh-TW" altLang="en-US" sz="5400" b="1" dirty="0" smtClean="0">
-                <a:latin typeface="Microsoft JhengHei" pitchFamily="34" charset="-120"/>
-                <a:ea typeface="Microsoft JhengHei" pitchFamily="34" charset="-120"/>
+              <a:t>正</a:t>
+            </a:r>
+            <a:r>
+              <a:rPr lang="en-US" sz="3200" b="1" dirty="0">
+                <a:solidFill>
+                  <a:srgbClr val="660033"/>
+                </a:solidFill>
+                <a:latin typeface="Microsoft JhengHei" panose="020B0604030504040204" pitchFamily="34" charset="-120"/>
+                <a:ea typeface="Microsoft JhengHei" panose="020B0604030504040204" pitchFamily="34" charset="-120"/>
               </a:rPr>
-              <a:t>全</a:t>
-            </a:r>
-            <a:r>
-              <a:rPr lang="zh-TW" altLang="en-US" sz="5400" b="1" dirty="0">
-                <a:latin typeface="Microsoft JhengHei" pitchFamily="34" charset="-120"/>
-                <a:ea typeface="Microsoft JhengHei" pitchFamily="34" charset="-120"/>
-              </a:rPr>
-              <a:t>心相信　</a:t>
-            </a:r>
-            <a:endParaRPr lang="en-US" altLang="zh-TW" sz="5400" b="1" dirty="0">
-              <a:latin typeface="Microsoft JhengHei" pitchFamily="34" charset="-120"/>
-              <a:ea typeface="Microsoft JhengHei" pitchFamily="34" charset="-120"/>
-            </a:endParaRPr>
-          </a:p>
-          <a:p>
-            <a:pPr marL="0" indent="0" algn="ctr">
-              <a:buNone/>
-            </a:pPr>
-            <a:r>
-              <a:rPr lang="zh-TW" altLang="en-US" sz="5400" b="1" dirty="0">
-                <a:latin typeface="Microsoft JhengHei" pitchFamily="34" charset="-120"/>
-                <a:ea typeface="Microsoft JhengHei" pitchFamily="34" charset="-120"/>
-              </a:rPr>
-              <a:t>萬事都互相效力 </a:t>
-            </a:r>
-            <a:endParaRPr lang="en-US" altLang="zh-TW" sz="5400" b="1" dirty="0">
-              <a:latin typeface="Microsoft JhengHei" pitchFamily="34" charset="-120"/>
-              <a:ea typeface="Microsoft JhengHei" pitchFamily="34" charset="-120"/>
-            </a:endParaRPr>
-          </a:p>
-          <a:p>
-            <a:pPr marL="0" indent="0" algn="ctr">
-              <a:buNone/>
-            </a:pPr>
-            <a:r>
-              <a:rPr lang="zh-TW" altLang="en-US" sz="5400" b="1" dirty="0">
-                <a:latin typeface="Microsoft JhengHei" pitchFamily="34" charset="-120"/>
-                <a:ea typeface="Microsoft JhengHei" pitchFamily="34" charset="-120"/>
-              </a:rPr>
-              <a:t>我願一</a:t>
-            </a:r>
-            <a:r>
-              <a:rPr lang="zh-TW" altLang="en-US" sz="5400" b="1" dirty="0" smtClean="0">
-                <a:latin typeface="Microsoft JhengHei" pitchFamily="34" charset="-120"/>
-                <a:ea typeface="Microsoft JhengHei" pitchFamily="34" charset="-120"/>
-              </a:rPr>
-              <a:t>生  愛</a:t>
-            </a:r>
-            <a:r>
-              <a:rPr lang="zh-TW" altLang="en-US" sz="5400" b="1" dirty="0">
-                <a:latin typeface="Microsoft JhengHei" pitchFamily="34" charset="-120"/>
-                <a:ea typeface="Microsoft JhengHei" pitchFamily="34" charset="-120"/>
-              </a:rPr>
-              <a:t>祢到底</a:t>
-            </a:r>
-            <a:endParaRPr lang="en-US" sz="5400" b="1" dirty="0">
-              <a:latin typeface="Microsoft JhengHei" pitchFamily="34" charset="-120"/>
-              <a:ea typeface="Microsoft JhengHei" pitchFamily="34" charset="-120"/>
+              <a:t> )</a:t>
+            </a:r>
+            <a:endParaRPr lang="vi-VN" sz="3200" b="1" dirty="0">
+              <a:solidFill>
+                <a:srgbClr val="660033"/>
+              </a:solidFill>
+              <a:ea typeface="Microsoft JhengHei" panose="020B0604030504040204" pitchFamily="34" charset="-120"/>
             </a:endParaRPr>
           </a:p>
         </p:txBody>
@@ -3397,7 +3365,7 @@
     </p:spTree>
     <p:extLst>
       <p:ext uri="{BB962C8B-B14F-4D97-AF65-F5344CB8AC3E}">
-        <p14:creationId xmlns:p14="http://schemas.microsoft.com/office/powerpoint/2010/main" val="1241586752"/>
+        <p14:creationId xmlns:p14="http://schemas.microsoft.com/office/powerpoint/2010/main" val="1405640627"/>
       </p:ext>
     </p:extLst>
   </p:cSld>
@@ -3426,36 +3394,7 @@
       </p:grpSpPr>
       <p:sp>
         <p:nvSpPr>
-          <p:cNvPr id="2" name="Title 1"/>
-          <p:cNvSpPr>
-            <a:spLocks noGrp="1"/>
-          </p:cNvSpPr>
-          <p:nvPr>
-            <p:ph type="title"/>
-          </p:nvPr>
-        </p:nvSpPr>
-        <p:spPr/>
-        <p:txBody>
-          <a:bodyPr/>
-          <a:lstStyle/>
-          <a:p>
-            <a:r>
-              <a:rPr lang="zh-CN" altLang="en-US" b="1" dirty="0">
-                <a:latin typeface="Microsoft JhengHei" pitchFamily="34" charset="-120"/>
-                <a:ea typeface="Microsoft JhengHei" pitchFamily="34" charset="-120"/>
-              </a:rPr>
-              <a:t>愛你到底</a:t>
-            </a:r>
-            <a:endParaRPr lang="en-US" b="1" dirty="0">
-              <a:latin typeface="Microsoft JhengHei" pitchFamily="34" charset="-120"/>
-              <a:ea typeface="Microsoft JhengHei" pitchFamily="34" charset="-120"/>
-            </a:endParaRPr>
-          </a:p>
-        </p:txBody>
-      </p:sp>
-      <p:sp>
-        <p:nvSpPr>
-          <p:cNvPr id="3" name="Content Placeholder 2"/>
+          <p:cNvPr id="5" name="內容版面配置區 4"/>
           <p:cNvSpPr>
             <a:spLocks noGrp="1"/>
           </p:cNvSpPr>
@@ -3465,13 +3404,13 @@
         </p:nvSpPr>
         <p:spPr>
           <a:xfrm>
-            <a:off x="0" y="1600200"/>
-            <a:ext cx="9144000" cy="4525963"/>
+            <a:off x="0" y="2084851"/>
+            <a:ext cx="12192000" cy="2404863"/>
           </a:xfrm>
         </p:spPr>
         <p:txBody>
-          <a:bodyPr>
-            <a:noAutofit/>
+          <a:bodyPr anchor="ctr">
+            <a:normAutofit/>
           </a:bodyPr>
           <a:lstStyle/>
           <a:p>
@@ -3479,15 +3418,41 @@
               <a:buNone/>
             </a:pPr>
             <a:r>
-              <a:rPr lang="zh-TW" altLang="en-US" sz="5400" b="1" dirty="0">
-                <a:latin typeface="Microsoft JhengHei" pitchFamily="34" charset="-120"/>
-                <a:ea typeface="Microsoft JhengHei" pitchFamily="34" charset="-120"/>
+              <a:rPr lang="zh-TW" altLang="en-US" sz="6400" b="1" dirty="0">
+                <a:solidFill>
+                  <a:srgbClr val="660033"/>
+                </a:solidFill>
+                <a:latin typeface="微軟正黑體" pitchFamily="34" charset="-120"/>
+                <a:ea typeface="微軟正黑體" pitchFamily="34" charset="-120"/>
               </a:rPr>
-              <a:t>我全心敬拜  全心感謝 </a:t>
-            </a:r>
-            <a:endParaRPr lang="en-US" altLang="zh-TW" sz="5400" b="1" dirty="0">
-              <a:latin typeface="Microsoft JhengHei" pitchFamily="34" charset="-120"/>
-              <a:ea typeface="Microsoft JhengHei" pitchFamily="34" charset="-120"/>
+              <a:t>疲憊的心 </a:t>
+            </a:r>
+            <a:r>
+              <a:rPr lang="zh-TW" altLang="en-US" sz="6400" b="1" dirty="0">
+                <a:solidFill>
+                  <a:srgbClr val="660033"/>
+                </a:solidFill>
+                <a:latin typeface="微軟正黑體" pitchFamily="34" charset="-120"/>
+                <a:ea typeface="微軟正黑體" pitchFamily="34" charset="-120"/>
+              </a:rPr>
+              <a:t> 在</a:t>
+            </a:r>
+            <a:r>
+              <a:rPr lang="zh-TW" altLang="en-US" sz="6400" b="1" dirty="0">
+                <a:solidFill>
+                  <a:srgbClr val="660033"/>
+                </a:solidFill>
+                <a:latin typeface="微軟正黑體" pitchFamily="34" charset="-120"/>
+                <a:ea typeface="微軟正黑體" pitchFamily="34" charset="-120"/>
+              </a:rPr>
+              <a:t>祢裡面重新得力 </a:t>
+            </a:r>
+            <a:endParaRPr lang="en-US" altLang="zh-TW" sz="6400" b="1" dirty="0">
+              <a:solidFill>
+                <a:srgbClr val="660033"/>
+              </a:solidFill>
+              <a:latin typeface="微軟正黑體" pitchFamily="34" charset="-120"/>
+              <a:ea typeface="微軟正黑體" pitchFamily="34" charset="-120"/>
             </a:endParaRPr>
           </a:p>
           <a:p>
@@ -3495,47 +3460,83 @@
               <a:buNone/>
             </a:pPr>
             <a:r>
-              <a:rPr lang="zh-TW" altLang="en-US" sz="5400" b="1" dirty="0">
-                <a:latin typeface="Microsoft JhengHei" pitchFamily="34" charset="-120"/>
-                <a:ea typeface="Microsoft JhengHei" pitchFamily="34" charset="-120"/>
+              <a:rPr lang="zh-TW" altLang="en-US" sz="6400" b="1" dirty="0">
+                <a:solidFill>
+                  <a:srgbClr val="660033"/>
+                </a:solidFill>
+                <a:latin typeface="微軟正黑體" pitchFamily="34" charset="-120"/>
+                <a:ea typeface="微軟正黑體" pitchFamily="34" charset="-120"/>
               </a:rPr>
-              <a:t>全心讚美  耶穌的名 </a:t>
-            </a:r>
-            <a:endParaRPr lang="en-US" altLang="zh-TW" sz="5400" b="1" dirty="0">
-              <a:latin typeface="Microsoft JhengHei" pitchFamily="34" charset="-120"/>
-              <a:ea typeface="Microsoft JhengHei" pitchFamily="34" charset="-120"/>
+              <a:t>耶穌我來敬拜祢</a:t>
+            </a:r>
+            <a:endParaRPr lang="en-US" sz="6400" b="1" dirty="0">
+              <a:solidFill>
+                <a:srgbClr val="660033"/>
+              </a:solidFill>
+              <a:latin typeface="微軟正黑體" pitchFamily="34" charset="-120"/>
+              <a:ea typeface="微軟正黑體" pitchFamily="34" charset="-120"/>
             </a:endParaRPr>
           </a:p>
-          <a:p>
-            <a:pPr marL="0" indent="0" algn="ctr">
-              <a:buNone/>
-            </a:pPr>
-            <a:r>
-              <a:rPr lang="zh-TW" altLang="en-US" sz="5400" b="1" dirty="0">
-                <a:latin typeface="Microsoft JhengHei" pitchFamily="34" charset="-120"/>
-                <a:ea typeface="Microsoft JhengHei" pitchFamily="34" charset="-120"/>
+        </p:txBody>
+      </p:sp>
+      <p:sp>
+        <p:nvSpPr>
+          <p:cNvPr id="3" name="TextBox 2"/>
+          <p:cNvSpPr txBox="1"/>
+          <p:nvPr/>
+        </p:nvSpPr>
+        <p:spPr>
+          <a:xfrm>
+            <a:off x="0" y="5157193"/>
+            <a:ext cx="12192000" cy="584775"/>
+          </a:xfrm>
+          <a:prstGeom prst="rect">
+            <a:avLst/>
+          </a:prstGeom>
+          <a:noFill/>
+        </p:spPr>
+        <p:txBody>
+          <a:bodyPr wrap="square" rtlCol="0">
+            <a:spAutoFit/>
+          </a:bodyPr>
+          <a:lstStyle/>
+          <a:p>
+            <a:pPr algn="ctr"/>
+            <a:r>
+              <a:rPr lang="en-US" sz="3200" b="1" dirty="0">
+                <a:solidFill>
+                  <a:srgbClr val="660033"/>
+                </a:solidFill>
+                <a:latin typeface="Microsoft JhengHei" panose="020B0604030504040204" pitchFamily="34" charset="-120"/>
+                <a:ea typeface="Microsoft JhengHei" panose="020B0604030504040204" pitchFamily="34" charset="-120"/>
               </a:rPr>
-              <a:t>我渴慕有祢  與我親近 </a:t>
-            </a:r>
-            <a:endParaRPr lang="en-US" altLang="zh-TW" sz="5400" b="1" dirty="0">
-              <a:latin typeface="Microsoft JhengHei" pitchFamily="34" charset="-120"/>
-              <a:ea typeface="Microsoft JhengHei" pitchFamily="34" charset="-120"/>
-            </a:endParaRPr>
-          </a:p>
-          <a:p>
-            <a:pPr marL="0" indent="0" algn="ctr">
-              <a:buNone/>
-            </a:pPr>
-            <a:r>
-              <a:rPr lang="zh-TW" altLang="en-US" sz="5400" b="1" dirty="0">
-                <a:latin typeface="Microsoft JhengHei" pitchFamily="34" charset="-120"/>
-                <a:ea typeface="Microsoft JhengHei" pitchFamily="34" charset="-120"/>
+              <a:t>( </a:t>
+            </a:r>
+            <a:r>
+              <a:rPr lang="zh-CN" altLang="en-US" sz="3200" b="1" dirty="0">
+                <a:solidFill>
+                  <a:srgbClr val="660033"/>
+                </a:solidFill>
+                <a:latin typeface="Microsoft JhengHei" panose="020B0604030504040204" pitchFamily="34" charset="-120"/>
+                <a:ea typeface="Microsoft JhengHei" panose="020B0604030504040204" pitchFamily="34" charset="-120"/>
               </a:rPr>
-              <a:t>我一生  要愛祢到底</a:t>
-            </a:r>
-            <a:endParaRPr lang="en-US" sz="5400" b="1" dirty="0">
-              <a:latin typeface="Microsoft JhengHei" pitchFamily="34" charset="-120"/>
-              <a:ea typeface="Microsoft JhengHei" pitchFamily="34" charset="-120"/>
+              <a:t>正</a:t>
+            </a:r>
+            <a:r>
+              <a:rPr lang="en-US" sz="3200" b="1" dirty="0">
+                <a:solidFill>
+                  <a:srgbClr val="660033"/>
+                </a:solidFill>
+                <a:latin typeface="Microsoft JhengHei" panose="020B0604030504040204" pitchFamily="34" charset="-120"/>
+                <a:ea typeface="Microsoft JhengHei" panose="020B0604030504040204" pitchFamily="34" charset="-120"/>
+              </a:rPr>
+              <a:t> )</a:t>
+            </a:r>
+            <a:endParaRPr lang="vi-VN" sz="3200" b="1" dirty="0">
+              <a:solidFill>
+                <a:srgbClr val="660033"/>
+              </a:solidFill>
+              <a:ea typeface="Microsoft JhengHei" panose="020B0604030504040204" pitchFamily="34" charset="-120"/>
             </a:endParaRPr>
           </a:p>
         </p:txBody>
@@ -3543,7 +3544,673 @@
     </p:spTree>
     <p:extLst>
       <p:ext uri="{BB962C8B-B14F-4D97-AF65-F5344CB8AC3E}">
-        <p14:creationId xmlns:p14="http://schemas.microsoft.com/office/powerpoint/2010/main" val="2231854428"/>
+        <p14:creationId xmlns:p14="http://schemas.microsoft.com/office/powerpoint/2010/main" val="3368153805"/>
+      </p:ext>
+    </p:extLst>
+  </p:cSld>
+  <p:clrMapOvr>
+    <a:masterClrMapping/>
+  </p:clrMapOvr>
+</p:sld>
+</file>
+
+<file path=ppt/slides/slide4.xml><?xml version="1.0" encoding="utf-8"?>
+<p:sld xmlns:a="http://schemas.openxmlformats.org/drawingml/2006/main" xmlns:r="http://schemas.openxmlformats.org/officeDocument/2006/relationships" xmlns:p="http://schemas.openxmlformats.org/presentationml/2006/main">
+  <p:cSld>
+    <p:spTree>
+      <p:nvGrpSpPr>
+        <p:cNvPr id="1" name=""/>
+        <p:cNvGrpSpPr/>
+        <p:nvPr/>
+      </p:nvGrpSpPr>
+      <p:grpSpPr>
+        <a:xfrm>
+          <a:off x="0" y="0"/>
+          <a:ext cx="0" cy="0"/>
+          <a:chOff x="0" y="0"/>
+          <a:chExt cx="0" cy="0"/>
+        </a:xfrm>
+      </p:grpSpPr>
+      <p:sp>
+        <p:nvSpPr>
+          <p:cNvPr id="5" name="內容版面配置區 4"/>
+          <p:cNvSpPr>
+            <a:spLocks noGrp="1"/>
+          </p:cNvSpPr>
+          <p:nvPr>
+            <p:ph idx="1"/>
+          </p:nvPr>
+        </p:nvSpPr>
+        <p:spPr>
+          <a:xfrm>
+            <a:off x="0" y="2084851"/>
+            <a:ext cx="12192000" cy="2404863"/>
+          </a:xfrm>
+        </p:spPr>
+        <p:txBody>
+          <a:bodyPr anchor="ctr">
+            <a:normAutofit/>
+          </a:bodyPr>
+          <a:lstStyle/>
+          <a:p>
+            <a:pPr marL="0" indent="0" algn="ctr">
+              <a:buNone/>
+            </a:pPr>
+            <a:r>
+              <a:rPr lang="zh-TW" altLang="en-US" sz="6400" b="1" dirty="0">
+                <a:solidFill>
+                  <a:srgbClr val="660033"/>
+                </a:solidFill>
+                <a:latin typeface="微軟正黑體" pitchFamily="34" charset="-120"/>
+                <a:ea typeface="微軟正黑體" pitchFamily="34" charset="-120"/>
+              </a:rPr>
+              <a:t>全心相信  祢的恩典和應許</a:t>
+            </a:r>
+            <a:endParaRPr lang="en-US" altLang="zh-TW" sz="6400" b="1" dirty="0">
+              <a:solidFill>
+                <a:srgbClr val="660033"/>
+              </a:solidFill>
+              <a:latin typeface="微軟正黑體" pitchFamily="34" charset="-120"/>
+              <a:ea typeface="微軟正黑體" pitchFamily="34" charset="-120"/>
+            </a:endParaRPr>
+          </a:p>
+          <a:p>
+            <a:pPr marL="0" indent="0" algn="ctr">
+              <a:buNone/>
+            </a:pPr>
+            <a:r>
+              <a:rPr lang="zh-TW" altLang="en-US" sz="6400" b="1" dirty="0">
+                <a:solidFill>
+                  <a:srgbClr val="660033"/>
+                </a:solidFill>
+                <a:latin typeface="微軟正黑體" pitchFamily="34" charset="-120"/>
+                <a:ea typeface="微軟正黑體" pitchFamily="34" charset="-120"/>
+              </a:rPr>
+              <a:t>水火之中  不離不棄 </a:t>
+            </a:r>
+            <a:endParaRPr lang="en-US" altLang="zh-TW" sz="6400" b="1" dirty="0">
+              <a:solidFill>
+                <a:srgbClr val="660033"/>
+              </a:solidFill>
+              <a:latin typeface="微軟正黑體" pitchFamily="34" charset="-120"/>
+              <a:ea typeface="微軟正黑體" pitchFamily="34" charset="-120"/>
+            </a:endParaRPr>
+          </a:p>
+        </p:txBody>
+      </p:sp>
+      <p:sp>
+        <p:nvSpPr>
+          <p:cNvPr id="3" name="TextBox 2"/>
+          <p:cNvSpPr txBox="1"/>
+          <p:nvPr/>
+        </p:nvSpPr>
+        <p:spPr>
+          <a:xfrm>
+            <a:off x="0" y="5157193"/>
+            <a:ext cx="12192000" cy="584775"/>
+          </a:xfrm>
+          <a:prstGeom prst="rect">
+            <a:avLst/>
+          </a:prstGeom>
+          <a:noFill/>
+        </p:spPr>
+        <p:txBody>
+          <a:bodyPr wrap="square" rtlCol="0">
+            <a:spAutoFit/>
+          </a:bodyPr>
+          <a:lstStyle/>
+          <a:p>
+            <a:pPr algn="ctr"/>
+            <a:r>
+              <a:rPr lang="en-US" sz="3200" b="1" dirty="0">
+                <a:solidFill>
+                  <a:srgbClr val="660033"/>
+                </a:solidFill>
+                <a:latin typeface="Microsoft JhengHei" panose="020B0604030504040204" pitchFamily="34" charset="-120"/>
+                <a:ea typeface="Microsoft JhengHei" panose="020B0604030504040204" pitchFamily="34" charset="-120"/>
+              </a:rPr>
+              <a:t>( </a:t>
+            </a:r>
+            <a:r>
+              <a:rPr lang="zh-CN" altLang="en-US" sz="3200" b="1" dirty="0">
+                <a:solidFill>
+                  <a:srgbClr val="660033"/>
+                </a:solidFill>
+                <a:latin typeface="Microsoft JhengHei" panose="020B0604030504040204" pitchFamily="34" charset="-120"/>
+                <a:ea typeface="Microsoft JhengHei" panose="020B0604030504040204" pitchFamily="34" charset="-120"/>
+              </a:rPr>
+              <a:t>副</a:t>
+            </a:r>
+            <a:r>
+              <a:rPr lang="en-US" sz="3200" b="1" dirty="0">
+                <a:solidFill>
+                  <a:srgbClr val="660033"/>
+                </a:solidFill>
+                <a:latin typeface="Microsoft JhengHei" panose="020B0604030504040204" pitchFamily="34" charset="-120"/>
+                <a:ea typeface="Microsoft JhengHei" panose="020B0604030504040204" pitchFamily="34" charset="-120"/>
+              </a:rPr>
+              <a:t> )</a:t>
+            </a:r>
+            <a:endParaRPr lang="vi-VN" sz="3200" b="1" dirty="0">
+              <a:solidFill>
+                <a:srgbClr val="660033"/>
+              </a:solidFill>
+              <a:ea typeface="Microsoft JhengHei" panose="020B0604030504040204" pitchFamily="34" charset="-120"/>
+            </a:endParaRPr>
+          </a:p>
+        </p:txBody>
+      </p:sp>
+    </p:spTree>
+    <p:extLst>
+      <p:ext uri="{BB962C8B-B14F-4D97-AF65-F5344CB8AC3E}">
+        <p14:creationId xmlns:p14="http://schemas.microsoft.com/office/powerpoint/2010/main" val="3095379024"/>
+      </p:ext>
+    </p:extLst>
+  </p:cSld>
+  <p:clrMapOvr>
+    <a:masterClrMapping/>
+  </p:clrMapOvr>
+</p:sld>
+</file>
+
+<file path=ppt/slides/slide5.xml><?xml version="1.0" encoding="utf-8"?>
+<p:sld xmlns:a="http://schemas.openxmlformats.org/drawingml/2006/main" xmlns:r="http://schemas.openxmlformats.org/officeDocument/2006/relationships" xmlns:p="http://schemas.openxmlformats.org/presentationml/2006/main">
+  <p:cSld>
+    <p:spTree>
+      <p:nvGrpSpPr>
+        <p:cNvPr id="1" name=""/>
+        <p:cNvGrpSpPr/>
+        <p:nvPr/>
+      </p:nvGrpSpPr>
+      <p:grpSpPr>
+        <a:xfrm>
+          <a:off x="0" y="0"/>
+          <a:ext cx="0" cy="0"/>
+          <a:chOff x="0" y="0"/>
+          <a:chExt cx="0" cy="0"/>
+        </a:xfrm>
+      </p:grpSpPr>
+      <p:sp>
+        <p:nvSpPr>
+          <p:cNvPr id="5" name="內容版面配置區 4"/>
+          <p:cNvSpPr>
+            <a:spLocks noGrp="1"/>
+          </p:cNvSpPr>
+          <p:nvPr>
+            <p:ph idx="1"/>
+          </p:nvPr>
+        </p:nvSpPr>
+        <p:spPr>
+          <a:xfrm>
+            <a:off x="0" y="2084851"/>
+            <a:ext cx="12192000" cy="2404863"/>
+          </a:xfrm>
+        </p:spPr>
+        <p:txBody>
+          <a:bodyPr anchor="ctr">
+            <a:normAutofit/>
+          </a:bodyPr>
+          <a:lstStyle/>
+          <a:p>
+            <a:pPr marL="0" indent="0" algn="ctr">
+              <a:buNone/>
+            </a:pPr>
+            <a:r>
+              <a:rPr lang="zh-TW" altLang="en-US" sz="6400" b="1" dirty="0">
+                <a:solidFill>
+                  <a:srgbClr val="660033"/>
+                </a:solidFill>
+                <a:latin typeface="微軟正黑體" pitchFamily="34" charset="-120"/>
+                <a:ea typeface="微軟正黑體" pitchFamily="34" charset="-120"/>
+              </a:rPr>
+              <a:t>全心相</a:t>
+            </a:r>
+            <a:r>
+              <a:rPr lang="zh-TW" altLang="en-US" sz="6400" b="1" dirty="0">
+                <a:solidFill>
+                  <a:srgbClr val="660033"/>
+                </a:solidFill>
+                <a:latin typeface="微軟正黑體" pitchFamily="34" charset="-120"/>
+                <a:ea typeface="微軟正黑體" pitchFamily="34" charset="-120"/>
+              </a:rPr>
+              <a:t>信  萬</a:t>
+            </a:r>
+            <a:r>
+              <a:rPr lang="zh-TW" altLang="en-US" sz="6400" b="1" dirty="0">
+                <a:solidFill>
+                  <a:srgbClr val="660033"/>
+                </a:solidFill>
+                <a:latin typeface="微軟正黑體" pitchFamily="34" charset="-120"/>
+                <a:ea typeface="微軟正黑體" pitchFamily="34" charset="-120"/>
+              </a:rPr>
+              <a:t>事都互相效力 </a:t>
+            </a:r>
+            <a:endParaRPr lang="en-US" altLang="zh-TW" sz="6400" b="1" dirty="0">
+              <a:solidFill>
+                <a:srgbClr val="660033"/>
+              </a:solidFill>
+              <a:latin typeface="微軟正黑體" pitchFamily="34" charset="-120"/>
+              <a:ea typeface="微軟正黑體" pitchFamily="34" charset="-120"/>
+            </a:endParaRPr>
+          </a:p>
+          <a:p>
+            <a:pPr marL="0" indent="0" algn="ctr">
+              <a:buNone/>
+            </a:pPr>
+            <a:r>
+              <a:rPr lang="zh-TW" altLang="en-US" sz="6400" b="1" dirty="0">
+                <a:solidFill>
+                  <a:srgbClr val="660033"/>
+                </a:solidFill>
+                <a:latin typeface="微軟正黑體" pitchFamily="34" charset="-120"/>
+                <a:ea typeface="微軟正黑體" pitchFamily="34" charset="-120"/>
+              </a:rPr>
+              <a:t>我願一生  愛祢到底</a:t>
+            </a:r>
+            <a:endParaRPr lang="en-US" sz="6400" b="1" dirty="0">
+              <a:solidFill>
+                <a:srgbClr val="660033"/>
+              </a:solidFill>
+              <a:latin typeface="微軟正黑體" pitchFamily="34" charset="-120"/>
+              <a:ea typeface="微軟正黑體" pitchFamily="34" charset="-120"/>
+            </a:endParaRPr>
+          </a:p>
+        </p:txBody>
+      </p:sp>
+      <p:sp>
+        <p:nvSpPr>
+          <p:cNvPr id="3" name="TextBox 2"/>
+          <p:cNvSpPr txBox="1"/>
+          <p:nvPr/>
+        </p:nvSpPr>
+        <p:spPr>
+          <a:xfrm>
+            <a:off x="0" y="5157193"/>
+            <a:ext cx="12192000" cy="584775"/>
+          </a:xfrm>
+          <a:prstGeom prst="rect">
+            <a:avLst/>
+          </a:prstGeom>
+          <a:noFill/>
+        </p:spPr>
+        <p:txBody>
+          <a:bodyPr wrap="square" rtlCol="0">
+            <a:spAutoFit/>
+          </a:bodyPr>
+          <a:lstStyle/>
+          <a:p>
+            <a:pPr algn="ctr"/>
+            <a:r>
+              <a:rPr lang="en-US" sz="3200" b="1" dirty="0">
+                <a:solidFill>
+                  <a:srgbClr val="660033"/>
+                </a:solidFill>
+                <a:latin typeface="Microsoft JhengHei" panose="020B0604030504040204" pitchFamily="34" charset="-120"/>
+                <a:ea typeface="Microsoft JhengHei" panose="020B0604030504040204" pitchFamily="34" charset="-120"/>
+              </a:rPr>
+              <a:t>( </a:t>
+            </a:r>
+            <a:r>
+              <a:rPr lang="zh-CN" altLang="en-US" sz="3200" b="1" dirty="0">
+                <a:solidFill>
+                  <a:srgbClr val="660033"/>
+                </a:solidFill>
+                <a:latin typeface="Microsoft JhengHei" panose="020B0604030504040204" pitchFamily="34" charset="-120"/>
+                <a:ea typeface="Microsoft JhengHei" panose="020B0604030504040204" pitchFamily="34" charset="-120"/>
+              </a:rPr>
+              <a:t>副</a:t>
+            </a:r>
+            <a:r>
+              <a:rPr lang="en-US" sz="3200" b="1" dirty="0">
+                <a:solidFill>
+                  <a:srgbClr val="660033"/>
+                </a:solidFill>
+                <a:latin typeface="Microsoft JhengHei" panose="020B0604030504040204" pitchFamily="34" charset="-120"/>
+                <a:ea typeface="Microsoft JhengHei" panose="020B0604030504040204" pitchFamily="34" charset="-120"/>
+              </a:rPr>
+              <a:t> )</a:t>
+            </a:r>
+            <a:endParaRPr lang="vi-VN" sz="3200" b="1" dirty="0">
+              <a:solidFill>
+                <a:srgbClr val="660033"/>
+              </a:solidFill>
+              <a:ea typeface="Microsoft JhengHei" panose="020B0604030504040204" pitchFamily="34" charset="-120"/>
+            </a:endParaRPr>
+          </a:p>
+        </p:txBody>
+      </p:sp>
+    </p:spTree>
+    <p:extLst>
+      <p:ext uri="{BB962C8B-B14F-4D97-AF65-F5344CB8AC3E}">
+        <p14:creationId xmlns:p14="http://schemas.microsoft.com/office/powerpoint/2010/main" val="31936521"/>
+      </p:ext>
+    </p:extLst>
+  </p:cSld>
+  <p:clrMapOvr>
+    <a:masterClrMapping/>
+  </p:clrMapOvr>
+</p:sld>
+</file>
+
+<file path=ppt/slides/slide6.xml><?xml version="1.0" encoding="utf-8"?>
+<p:sld xmlns:a="http://schemas.openxmlformats.org/drawingml/2006/main" xmlns:r="http://schemas.openxmlformats.org/officeDocument/2006/relationships" xmlns:p="http://schemas.openxmlformats.org/presentationml/2006/main">
+  <p:cSld>
+    <p:spTree>
+      <p:nvGrpSpPr>
+        <p:cNvPr id="1" name=""/>
+        <p:cNvGrpSpPr/>
+        <p:nvPr/>
+      </p:nvGrpSpPr>
+      <p:grpSpPr>
+        <a:xfrm>
+          <a:off x="0" y="0"/>
+          <a:ext cx="0" cy="0"/>
+          <a:chOff x="0" y="0"/>
+          <a:chExt cx="0" cy="0"/>
+        </a:xfrm>
+      </p:grpSpPr>
+      <p:sp>
+        <p:nvSpPr>
+          <p:cNvPr id="5" name="內容版面配置區 4"/>
+          <p:cNvSpPr>
+            <a:spLocks noGrp="1"/>
+          </p:cNvSpPr>
+          <p:nvPr>
+            <p:ph idx="1"/>
+          </p:nvPr>
+        </p:nvSpPr>
+        <p:spPr>
+          <a:xfrm>
+            <a:off x="0" y="2084851"/>
+            <a:ext cx="12192000" cy="2404863"/>
+          </a:xfrm>
+        </p:spPr>
+        <p:txBody>
+          <a:bodyPr anchor="ctr">
+            <a:normAutofit/>
+          </a:bodyPr>
+          <a:lstStyle/>
+          <a:p>
+            <a:pPr marL="0" indent="0" algn="ctr">
+              <a:buNone/>
+            </a:pPr>
+            <a:r>
+              <a:rPr lang="zh-TW" altLang="en-US" sz="6400" b="1" dirty="0">
+                <a:solidFill>
+                  <a:srgbClr val="660033"/>
+                </a:solidFill>
+                <a:latin typeface="微軟正黑體" pitchFamily="34" charset="-120"/>
+                <a:ea typeface="微軟正黑體" pitchFamily="34" charset="-120"/>
+              </a:rPr>
+              <a:t>我全心敬拜  全心感謝 </a:t>
+            </a:r>
+            <a:endParaRPr lang="en-US" altLang="zh-TW" sz="6400" b="1" dirty="0">
+              <a:solidFill>
+                <a:srgbClr val="660033"/>
+              </a:solidFill>
+              <a:latin typeface="微軟正黑體" pitchFamily="34" charset="-120"/>
+              <a:ea typeface="微軟正黑體" pitchFamily="34" charset="-120"/>
+            </a:endParaRPr>
+          </a:p>
+          <a:p>
+            <a:pPr marL="0" indent="0" algn="ctr">
+              <a:buNone/>
+            </a:pPr>
+            <a:r>
+              <a:rPr lang="zh-TW" altLang="en-US" sz="6400" b="1" dirty="0">
+                <a:solidFill>
+                  <a:srgbClr val="660033"/>
+                </a:solidFill>
+                <a:latin typeface="微軟正黑體" pitchFamily="34" charset="-120"/>
+                <a:ea typeface="微軟正黑體" pitchFamily="34" charset="-120"/>
+              </a:rPr>
+              <a:t>全心讚美  耶穌的</a:t>
+            </a:r>
+            <a:r>
+              <a:rPr lang="zh-TW" altLang="en-US" sz="6400" b="1" dirty="0">
+                <a:solidFill>
+                  <a:srgbClr val="660033"/>
+                </a:solidFill>
+                <a:latin typeface="微軟正黑體" pitchFamily="34" charset="-120"/>
+                <a:ea typeface="微軟正黑體" pitchFamily="34" charset="-120"/>
+              </a:rPr>
+              <a:t>名</a:t>
+            </a:r>
+            <a:endParaRPr lang="en-US" altLang="zh-TW" sz="6400" b="1" dirty="0">
+              <a:solidFill>
+                <a:srgbClr val="660033"/>
+              </a:solidFill>
+              <a:latin typeface="微軟正黑體" pitchFamily="34" charset="-120"/>
+              <a:ea typeface="微軟正黑體" pitchFamily="34" charset="-120"/>
+            </a:endParaRPr>
+          </a:p>
+        </p:txBody>
+      </p:sp>
+      <p:sp>
+        <p:nvSpPr>
+          <p:cNvPr id="3" name="TextBox 2"/>
+          <p:cNvSpPr txBox="1"/>
+          <p:nvPr/>
+        </p:nvSpPr>
+        <p:spPr>
+          <a:xfrm>
+            <a:off x="0" y="5157193"/>
+            <a:ext cx="12192000" cy="584775"/>
+          </a:xfrm>
+          <a:prstGeom prst="rect">
+            <a:avLst/>
+          </a:prstGeom>
+          <a:noFill/>
+        </p:spPr>
+        <p:txBody>
+          <a:bodyPr wrap="square" rtlCol="0">
+            <a:spAutoFit/>
+          </a:bodyPr>
+          <a:lstStyle/>
+          <a:p>
+            <a:pPr algn="ctr"/>
+            <a:r>
+              <a:rPr lang="en-US" sz="3200" b="1" dirty="0">
+                <a:solidFill>
+                  <a:srgbClr val="660033"/>
+                </a:solidFill>
+                <a:latin typeface="Microsoft JhengHei" panose="020B0604030504040204" pitchFamily="34" charset="-120"/>
+                <a:ea typeface="Microsoft JhengHei" panose="020B0604030504040204" pitchFamily="34" charset="-120"/>
+              </a:rPr>
+              <a:t>( </a:t>
+            </a:r>
+            <a:r>
+              <a:rPr lang="zh-CN" altLang="en-US" sz="3200" b="1" dirty="0">
+                <a:solidFill>
+                  <a:srgbClr val="660033"/>
+                </a:solidFill>
+                <a:latin typeface="Microsoft JhengHei" panose="020B0604030504040204" pitchFamily="34" charset="-120"/>
+                <a:ea typeface="Microsoft JhengHei" panose="020B0604030504040204" pitchFamily="34" charset="-120"/>
+              </a:rPr>
+              <a:t>橋</a:t>
+            </a:r>
+            <a:r>
+              <a:rPr lang="en-US" sz="3200" b="1" dirty="0">
+                <a:solidFill>
+                  <a:srgbClr val="660033"/>
+                </a:solidFill>
+                <a:latin typeface="Microsoft JhengHei" panose="020B0604030504040204" pitchFamily="34" charset="-120"/>
+                <a:ea typeface="Microsoft JhengHei" panose="020B0604030504040204" pitchFamily="34" charset="-120"/>
+              </a:rPr>
+              <a:t> )</a:t>
+            </a:r>
+            <a:endParaRPr lang="vi-VN" sz="3200" b="1" dirty="0">
+              <a:solidFill>
+                <a:srgbClr val="660033"/>
+              </a:solidFill>
+              <a:ea typeface="Microsoft JhengHei" panose="020B0604030504040204" pitchFamily="34" charset="-120"/>
+            </a:endParaRPr>
+          </a:p>
+        </p:txBody>
+      </p:sp>
+    </p:spTree>
+    <p:extLst>
+      <p:ext uri="{BB962C8B-B14F-4D97-AF65-F5344CB8AC3E}">
+        <p14:creationId xmlns:p14="http://schemas.microsoft.com/office/powerpoint/2010/main" val="1877670287"/>
+      </p:ext>
+    </p:extLst>
+  </p:cSld>
+  <p:clrMapOvr>
+    <a:masterClrMapping/>
+  </p:clrMapOvr>
+</p:sld>
+</file>
+
+<file path=ppt/slides/slide7.xml><?xml version="1.0" encoding="utf-8"?>
+<p:sld xmlns:a="http://schemas.openxmlformats.org/drawingml/2006/main" xmlns:r="http://schemas.openxmlformats.org/officeDocument/2006/relationships" xmlns:p="http://schemas.openxmlformats.org/presentationml/2006/main">
+  <p:cSld>
+    <p:spTree>
+      <p:nvGrpSpPr>
+        <p:cNvPr id="1" name=""/>
+        <p:cNvGrpSpPr/>
+        <p:nvPr/>
+      </p:nvGrpSpPr>
+      <p:grpSpPr>
+        <a:xfrm>
+          <a:off x="0" y="0"/>
+          <a:ext cx="0" cy="0"/>
+          <a:chOff x="0" y="0"/>
+          <a:chExt cx="0" cy="0"/>
+        </a:xfrm>
+      </p:grpSpPr>
+      <p:sp>
+        <p:nvSpPr>
+          <p:cNvPr id="5" name="內容版面配置區 4"/>
+          <p:cNvSpPr>
+            <a:spLocks noGrp="1"/>
+          </p:cNvSpPr>
+          <p:nvPr>
+            <p:ph idx="1"/>
+          </p:nvPr>
+        </p:nvSpPr>
+        <p:spPr>
+          <a:xfrm>
+            <a:off x="0" y="2084851"/>
+            <a:ext cx="12192000" cy="2404863"/>
+          </a:xfrm>
+        </p:spPr>
+        <p:txBody>
+          <a:bodyPr anchor="ctr">
+            <a:normAutofit/>
+          </a:bodyPr>
+          <a:lstStyle/>
+          <a:p>
+            <a:pPr marL="0" indent="0" algn="ctr">
+              <a:buNone/>
+            </a:pPr>
+            <a:r>
+              <a:rPr lang="zh-TW" altLang="en-US" sz="6400" b="1" dirty="0">
+                <a:solidFill>
+                  <a:srgbClr val="660033"/>
+                </a:solidFill>
+                <a:latin typeface="微軟正黑體" pitchFamily="34" charset="-120"/>
+                <a:ea typeface="微軟正黑體" pitchFamily="34" charset="-120"/>
+              </a:rPr>
+              <a:t>我渴慕有祢  與我親近 </a:t>
+            </a:r>
+            <a:endParaRPr lang="en-US" altLang="zh-TW" sz="6400" b="1" dirty="0">
+              <a:solidFill>
+                <a:srgbClr val="660033"/>
+              </a:solidFill>
+              <a:latin typeface="微軟正黑體" pitchFamily="34" charset="-120"/>
+              <a:ea typeface="微軟正黑體" pitchFamily="34" charset="-120"/>
+            </a:endParaRPr>
+          </a:p>
+          <a:p>
+            <a:pPr marL="0" indent="0" algn="ctr">
+              <a:buNone/>
+            </a:pPr>
+            <a:r>
+              <a:rPr lang="zh-TW" altLang="en-US" sz="6400" b="1" dirty="0">
+                <a:solidFill>
+                  <a:srgbClr val="660033"/>
+                </a:solidFill>
+                <a:latin typeface="微軟正黑體" pitchFamily="34" charset="-120"/>
+                <a:ea typeface="微軟正黑體" pitchFamily="34" charset="-120"/>
+              </a:rPr>
+              <a:t>我一生  要愛祢到底</a:t>
+            </a:r>
+            <a:endParaRPr lang="en-US" sz="6400" b="1" dirty="0">
+              <a:solidFill>
+                <a:srgbClr val="660033"/>
+              </a:solidFill>
+              <a:latin typeface="微軟正黑體" pitchFamily="34" charset="-120"/>
+              <a:ea typeface="微軟正黑體" pitchFamily="34" charset="-120"/>
+            </a:endParaRPr>
+          </a:p>
+        </p:txBody>
+      </p:sp>
+      <p:sp>
+        <p:nvSpPr>
+          <p:cNvPr id="3" name="TextBox 2"/>
+          <p:cNvSpPr txBox="1"/>
+          <p:nvPr/>
+        </p:nvSpPr>
+        <p:spPr>
+          <a:xfrm>
+            <a:off x="0" y="5157193"/>
+            <a:ext cx="12192000" cy="584775"/>
+          </a:xfrm>
+          <a:prstGeom prst="rect">
+            <a:avLst/>
+          </a:prstGeom>
+          <a:noFill/>
+        </p:spPr>
+        <p:txBody>
+          <a:bodyPr wrap="square" rtlCol="0">
+            <a:spAutoFit/>
+          </a:bodyPr>
+          <a:lstStyle/>
+          <a:p>
+            <a:pPr algn="ctr"/>
+            <a:r>
+              <a:rPr lang="en-US" sz="3200" b="1" dirty="0">
+                <a:solidFill>
+                  <a:srgbClr val="660033"/>
+                </a:solidFill>
+                <a:latin typeface="Microsoft JhengHei" panose="020B0604030504040204" pitchFamily="34" charset="-120"/>
+                <a:ea typeface="Microsoft JhengHei" panose="020B0604030504040204" pitchFamily="34" charset="-120"/>
+              </a:rPr>
+              <a:t>( </a:t>
+            </a:r>
+            <a:r>
+              <a:rPr lang="zh-CN" altLang="en-US" sz="3200" b="1" dirty="0">
+                <a:solidFill>
+                  <a:srgbClr val="660033"/>
+                </a:solidFill>
+                <a:latin typeface="Microsoft JhengHei" panose="020B0604030504040204" pitchFamily="34" charset="-120"/>
+                <a:ea typeface="Microsoft JhengHei" panose="020B0604030504040204" pitchFamily="34" charset="-120"/>
+              </a:rPr>
+              <a:t>橋</a:t>
+            </a:r>
+            <a:r>
+              <a:rPr lang="en-US" sz="3200" b="1" dirty="0">
+                <a:solidFill>
+                  <a:srgbClr val="660033"/>
+                </a:solidFill>
+                <a:latin typeface="Microsoft JhengHei" panose="020B0604030504040204" pitchFamily="34" charset="-120"/>
+                <a:ea typeface="Microsoft JhengHei" panose="020B0604030504040204" pitchFamily="34" charset="-120"/>
+              </a:rPr>
+              <a:t> )</a:t>
+            </a:r>
+            <a:endParaRPr lang="vi-VN" sz="3200" b="1" dirty="0">
+              <a:solidFill>
+                <a:srgbClr val="660033"/>
+              </a:solidFill>
+              <a:ea typeface="Microsoft JhengHei" panose="020B0604030504040204" pitchFamily="34" charset="-120"/>
+            </a:endParaRPr>
+          </a:p>
+        </p:txBody>
+      </p:sp>
+    </p:spTree>
+    <p:extLst>
+      <p:ext uri="{BB962C8B-B14F-4D97-AF65-F5344CB8AC3E}">
+        <p14:creationId xmlns:p14="http://schemas.microsoft.com/office/powerpoint/2010/main" val="3871178065"/>
       </p:ext>
     </p:extLst>
   </p:cSld>
